--- a/OS/sp17/lectures/OSsp17_lec2_processes.pptx
+++ b/OS/sp17/lectures/OSsp17_lec2_processes.pptx
@@ -5,10 +5,10 @@
     <p:sldMasterId id="2147483792" r:id="rId1"/>
   </p:sldMasterIdLst>
   <p:notesMasterIdLst>
-    <p:notesMasterId r:id="rId29"/>
+    <p:notesMasterId r:id="rId30"/>
   </p:notesMasterIdLst>
   <p:handoutMasterIdLst>
-    <p:handoutMasterId r:id="rId30"/>
+    <p:handoutMasterId r:id="rId31"/>
   </p:handoutMasterIdLst>
   <p:sldIdLst>
     <p:sldId id="256" r:id="rId2"/>
@@ -38,6 +38,7 @@
     <p:sldId id="415" r:id="rId26"/>
     <p:sldId id="416" r:id="rId27"/>
     <p:sldId id="385" r:id="rId28"/>
+    <p:sldId id="418" r:id="rId29"/>
   </p:sldIdLst>
   <p:sldSz cx="9144000" cy="6858000" type="screen4x3"/>
   <p:notesSz cx="9144000" cy="6858000"/>
@@ -2617,7 +2618,7 @@
           <a:p>
             <a:fld id="{F3FC925C-1995-B14D-B171-FA2CC2644B30}" type="datetime1">
               <a:rPr lang="en-US" smtClean="0"/>
-              <a:t>1/23/17</a:t>
+              <a:t>2/9/17</a:t>
             </a:fld>
             <a:endParaRPr lang="en-US"/>
           </a:p>
@@ -2814,7 +2815,7 @@
           <a:p>
             <a:fld id="{FD3EFF7C-AAE0-9B44-9CA0-1FD497097558}" type="datetime1">
               <a:rPr lang="en-US" smtClean="0"/>
-              <a:t>1/23/17</a:t>
+              <a:t>2/9/17</a:t>
             </a:fld>
             <a:endParaRPr lang="en-US"/>
           </a:p>
@@ -3020,7 +3021,7 @@
           <a:p>
             <a:fld id="{FBE3D7A5-9D8F-D341-B13C-BE92836BC4C7}" type="datetime1">
               <a:rPr lang="en-US" smtClean="0"/>
-              <a:t>1/23/17</a:t>
+              <a:t>2/9/17</a:t>
             </a:fld>
             <a:endParaRPr lang="en-US"/>
           </a:p>
@@ -3283,7 +3284,7 @@
           <a:p>
             <a:fld id="{066190E6-7A38-064E-B638-28609735DB5A}" type="datetime1">
               <a:rPr lang="en-US" smtClean="0"/>
-              <a:t>1/23/17</a:t>
+              <a:t>2/9/17</a:t>
             </a:fld>
             <a:endParaRPr lang="en-US"/>
           </a:p>
@@ -3546,7 +3547,7 @@
           <a:p>
             <a:fld id="{678AD8E1-38FA-A047-A6DE-35085E49C949}" type="datetime1">
               <a:rPr lang="en-US" smtClean="0"/>
-              <a:t>1/23/17</a:t>
+              <a:t>2/9/17</a:t>
             </a:fld>
             <a:endParaRPr lang="en-US"/>
           </a:p>
@@ -3742,7 +3743,7 @@
           <a:p>
             <a:fld id="{0EBAC4CA-7674-C244-BBEA-FEFCF1DF616B}" type="datetime1">
               <a:rPr lang="en-US" smtClean="0"/>
-              <a:t>1/23/17</a:t>
+              <a:t>2/9/17</a:t>
             </a:fld>
             <a:endParaRPr lang="en-US"/>
           </a:p>
@@ -3960,7 +3961,7 @@
           <a:p>
             <a:fld id="{8CF584A6-FB20-8341-B7B4-8D07696779DD}" type="datetime1">
               <a:rPr lang="en-US" smtClean="0"/>
-              <a:t>1/23/17</a:t>
+              <a:t>2/9/17</a:t>
             </a:fld>
             <a:endParaRPr lang="en-US"/>
           </a:p>
@@ -4274,7 +4275,7 @@
           <a:p>
             <a:fld id="{F9038270-25B5-C643-8F27-0880EDCEB709}" type="datetime1">
               <a:rPr lang="en-US" smtClean="0"/>
-              <a:t>1/23/17</a:t>
+              <a:t>2/9/17</a:t>
             </a:fld>
             <a:endParaRPr lang="en-US"/>
           </a:p>
@@ -4727,7 +4728,7 @@
           <a:p>
             <a:fld id="{1020787E-24D1-7C48-8604-F85B435CC06A}" type="datetime1">
               <a:rPr lang="en-US" smtClean="0"/>
-              <a:t>1/23/17</a:t>
+              <a:t>2/9/17</a:t>
             </a:fld>
             <a:endParaRPr lang="en-US"/>
           </a:p>
@@ -4871,7 +4872,7 @@
           <a:p>
             <a:fld id="{C2FD6965-3347-F14D-B718-807FB4991489}" type="datetime1">
               <a:rPr lang="en-US" smtClean="0"/>
-              <a:t>1/23/17</a:t>
+              <a:t>2/9/17</a:t>
             </a:fld>
             <a:endParaRPr lang="en-US"/>
           </a:p>
@@ -4992,7 +4993,7 @@
           <a:p>
             <a:fld id="{4C249436-0900-2E46-84EB-E11133570D2B}" type="datetime1">
               <a:rPr lang="en-US" smtClean="0"/>
-              <a:t>1/23/17</a:t>
+              <a:t>2/9/17</a:t>
             </a:fld>
             <a:endParaRPr lang="en-US"/>
           </a:p>
@@ -5295,7 +5296,7 @@
           <a:p>
             <a:fld id="{1B858F57-9F7B-9D48-910F-4E13C8BE81E0}" type="datetime1">
               <a:rPr lang="en-US" smtClean="0"/>
-              <a:t>1/23/17</a:t>
+              <a:t>2/9/17</a:t>
             </a:fld>
             <a:endParaRPr lang="en-US"/>
           </a:p>
@@ -5575,7 +5576,7 @@
           <a:p>
             <a:fld id="{C4D2C445-0B59-8E4F-85A1-EF9B33970E20}" type="datetime1">
               <a:rPr lang="en-US" smtClean="0"/>
-              <a:t>1/23/17</a:t>
+              <a:t>2/9/17</a:t>
             </a:fld>
             <a:endParaRPr lang="en-US"/>
           </a:p>
@@ -5874,7 +5875,7 @@
           <a:p>
             <a:fld id="{D4CE55E1-E717-4A45-B1D8-B02E6E7AA1A0}" type="datetime1">
               <a:rPr lang="en-US" smtClean="0"/>
-              <a:t>1/23/17</a:t>
+              <a:t>2/9/17</a:t>
             </a:fld>
             <a:endParaRPr lang="en-US"/>
           </a:p>
@@ -7065,7 +7066,7 @@
           <a:p>
             <a:fld id="{283382A2-32A8-E046-9A3D-B21E50F3F668}" type="datetime1">
               <a:rPr lang="en-US" smtClean="0"/>
-              <a:t>1/23/17</a:t>
+              <a:t>2/9/17</a:t>
             </a:fld>
             <a:endParaRPr lang="en-US"/>
           </a:p>
@@ -7315,7 +7316,7 @@
           <a:p>
             <a:fld id="{29B66521-0117-8B41-AF65-89B50B857040}" type="datetime1">
               <a:rPr lang="en-US" smtClean="0"/>
-              <a:t>1/23/17</a:t>
+              <a:t>2/9/17</a:t>
             </a:fld>
             <a:endParaRPr lang="en-US"/>
           </a:p>
@@ -7506,7 +7507,7 @@
           <a:p>
             <a:fld id="{A48D3188-79F2-5F41-B81B-0A711580CE77}" type="datetime1">
               <a:rPr lang="en-US" smtClean="0"/>
-              <a:t>1/23/17</a:t>
+              <a:t>2/9/17</a:t>
             </a:fld>
             <a:endParaRPr lang="en-US"/>
           </a:p>
@@ -7843,7 +7844,7 @@
           <a:p>
             <a:fld id="{FA7DD6E6-BC7E-124C-92A1-75931FF54B44}" type="datetime1">
               <a:rPr lang="en-US" smtClean="0"/>
-              <a:t>1/23/17</a:t>
+              <a:t>2/9/17</a:t>
             </a:fld>
             <a:endParaRPr lang="en-US"/>
           </a:p>
@@ -8036,7 +8037,7 @@
           <a:p>
             <a:fld id="{2B3FE7CD-FDF2-AB45-A790-869F4407F5F5}" type="datetime1">
               <a:rPr lang="en-US" smtClean="0"/>
-              <a:t>1/23/17</a:t>
+              <a:t>2/9/17</a:t>
             </a:fld>
             <a:endParaRPr lang="en-US"/>
           </a:p>
@@ -9488,11 +9489,7 @@
             <a:pPr lvl="2"/>
             <a:r>
               <a:rPr lang="en-US" dirty="0" smtClean="0"/>
-              <a:t>E-mail: Peter_Mack1@</a:t>
-            </a:r>
-            <a:r>
-              <a:rPr lang="en-US" dirty="0" smtClean="0"/>
-              <a:t>student.uml.edu</a:t>
+              <a:t>E-mail: Peter_Mack1@student.uml.edu</a:t>
             </a:r>
           </a:p>
           <a:p>
@@ -9693,7 +9690,7 @@
                 <a:latin typeface="Garamond"/>
                 <a:cs typeface="Garamond"/>
               </a:rPr>
-              <a:t>1/23/17</a:t>
+              <a:t>2/9/17</a:t>
             </a:fld>
             <a:endParaRPr lang="en-US" dirty="0">
               <a:latin typeface="Garamond"/>
@@ -11879,7 +11876,7 @@
           <a:p>
             <a:fld id="{7B92362D-DAB9-6344-8E4D-AD39D4EF7F93}" type="datetime1">
               <a:rPr lang="en-US" smtClean="0"/>
-              <a:t>1/23/17</a:t>
+              <a:t>2/9/17</a:t>
             </a:fld>
             <a:endParaRPr lang="en-US"/>
           </a:p>
@@ -12059,6 +12056,197 @@
       </p:par>
     </p:tnLst>
   </p:timing>
+</p:sld>
+</file>
+
+<file path=ppt/slides/slide28.xml><?xml version="1.0" encoding="utf-8"?>
+<p:sld xmlns:a="http://schemas.openxmlformats.org/drawingml/2006/main" xmlns:r="http://schemas.openxmlformats.org/officeDocument/2006/relationships" xmlns:p="http://schemas.openxmlformats.org/presentationml/2006/main">
+  <p:cSld>
+    <p:spTree>
+      <p:nvGrpSpPr>
+        <p:cNvPr id="1" name=""/>
+        <p:cNvGrpSpPr/>
+        <p:nvPr/>
+      </p:nvGrpSpPr>
+      <p:grpSpPr>
+        <a:xfrm>
+          <a:off x="0" y="0"/>
+          <a:ext cx="0" cy="0"/>
+          <a:chOff x="0" y="0"/>
+          <a:chExt cx="0" cy="0"/>
+        </a:xfrm>
+      </p:grpSpPr>
+      <p:sp>
+        <p:nvSpPr>
+          <p:cNvPr id="2" name="Title 1"/>
+          <p:cNvSpPr>
+            <a:spLocks noGrp="1"/>
+          </p:cNvSpPr>
+          <p:nvPr>
+            <p:ph type="title"/>
+          </p:nvPr>
+        </p:nvSpPr>
+        <p:spPr/>
+        <p:txBody>
+          <a:bodyPr/>
+          <a:lstStyle/>
+          <a:p>
+            <a:r>
+              <a:rPr lang="en-US" dirty="0" smtClean="0"/>
+              <a:t>Acknowledgements</a:t>
+            </a:r>
+            <a:endParaRPr lang="en-US" dirty="0"/>
+          </a:p>
+        </p:txBody>
+      </p:sp>
+      <p:sp>
+        <p:nvSpPr>
+          <p:cNvPr id="3" name="Content Placeholder 2"/>
+          <p:cNvSpPr>
+            <a:spLocks noGrp="1"/>
+          </p:cNvSpPr>
+          <p:nvPr>
+            <p:ph idx="1"/>
+          </p:nvPr>
+        </p:nvSpPr>
+        <p:spPr/>
+        <p:txBody>
+          <a:bodyPr/>
+          <a:lstStyle/>
+          <a:p>
+            <a:r>
+              <a:rPr lang="en-US" dirty="0" smtClean="0"/>
+              <a:t>These slides are adapted from the following sources:</a:t>
+            </a:r>
+          </a:p>
+          <a:p>
+            <a:pPr lvl="1"/>
+            <a:r>
+              <a:rPr lang="en-US" dirty="0" err="1" smtClean="0"/>
+              <a:t>Silberschatz</a:t>
+            </a:r>
+            <a:r>
+              <a:rPr lang="en-US" dirty="0" smtClean="0"/>
+              <a:t>, Galvin, &amp; Gagne, </a:t>
+            </a:r>
+            <a:r>
+              <a:rPr lang="en-US" i="1" dirty="0" smtClean="0"/>
+              <a:t>Operating Systems Concepts</a:t>
+            </a:r>
+            <a:r>
+              <a:rPr lang="en-US" dirty="0" smtClean="0"/>
+              <a:t>, 9</a:t>
+            </a:r>
+            <a:r>
+              <a:rPr lang="en-US" baseline="30000" dirty="0" smtClean="0"/>
+              <a:t>th</a:t>
+            </a:r>
+            <a:r>
+              <a:rPr lang="en-US" dirty="0" smtClean="0"/>
+              <a:t> edition</a:t>
+            </a:r>
+          </a:p>
+          <a:p>
+            <a:pPr lvl="1"/>
+            <a:r>
+              <a:rPr lang="en-US" dirty="0" smtClean="0"/>
+              <a:t>Chen &amp; </a:t>
+            </a:r>
+            <a:r>
+              <a:rPr lang="en-US" dirty="0" err="1" smtClean="0"/>
+              <a:t>Madhyastha</a:t>
+            </a:r>
+            <a:r>
+              <a:rPr lang="en-US" dirty="0" smtClean="0"/>
+              <a:t>, EECS 482 lecture notes, University of Michigan, Fall 2016</a:t>
+            </a:r>
+            <a:endParaRPr lang="en-US" dirty="0"/>
+          </a:p>
+        </p:txBody>
+      </p:sp>
+      <p:sp>
+        <p:nvSpPr>
+          <p:cNvPr id="4" name="Date Placeholder 3"/>
+          <p:cNvSpPr>
+            <a:spLocks noGrp="1"/>
+          </p:cNvSpPr>
+          <p:nvPr>
+            <p:ph type="dt" sz="half" idx="10"/>
+          </p:nvPr>
+        </p:nvSpPr>
+        <p:spPr/>
+        <p:txBody>
+          <a:bodyPr/>
+          <a:lstStyle/>
+          <a:p>
+            <a:fld id="{2BD1A3CB-CAD6-FB4B-9A5A-696854FE92B6}" type="datetime1">
+              <a:rPr lang="en-US" smtClean="0"/>
+              <a:t>2/9/17</a:t>
+            </a:fld>
+            <a:endParaRPr lang="en-US"/>
+          </a:p>
+        </p:txBody>
+      </p:sp>
+      <p:sp>
+        <p:nvSpPr>
+          <p:cNvPr id="5" name="Footer Placeholder 4"/>
+          <p:cNvSpPr>
+            <a:spLocks noGrp="1"/>
+          </p:cNvSpPr>
+          <p:nvPr>
+            <p:ph type="ftr" sz="quarter" idx="11"/>
+          </p:nvPr>
+        </p:nvSpPr>
+        <p:spPr/>
+        <p:txBody>
+          <a:bodyPr/>
+          <a:lstStyle/>
+          <a:p>
+            <a:pPr>
+              <a:defRPr/>
+            </a:pPr>
+            <a:r>
+              <a:rPr lang="en-US" altLang="en-US" smtClean="0"/>
+              <a:t>Operating Systems: Lecture 1</a:t>
+            </a:r>
+            <a:endParaRPr lang="en-US" altLang="en-US"/>
+          </a:p>
+        </p:txBody>
+      </p:sp>
+      <p:sp>
+        <p:nvSpPr>
+          <p:cNvPr id="6" name="Slide Number Placeholder 5"/>
+          <p:cNvSpPr>
+            <a:spLocks noGrp="1"/>
+          </p:cNvSpPr>
+          <p:nvPr>
+            <p:ph type="sldNum" sz="quarter" idx="12"/>
+          </p:nvPr>
+        </p:nvSpPr>
+        <p:spPr/>
+        <p:txBody>
+          <a:bodyPr/>
+          <a:lstStyle/>
+          <a:p>
+            <a:fld id="{2907D84A-D9E1-964C-B1EF-5C5C24A64F29}" type="slidenum">
+              <a:rPr lang="en-US" smtClean="0"/>
+              <a:pPr/>
+              <a:t>28</a:t>
+            </a:fld>
+            <a:endParaRPr lang="en-US"/>
+          </a:p>
+        </p:txBody>
+      </p:sp>
+    </p:spTree>
+    <p:extLst>
+      <p:ext uri="{BB962C8B-B14F-4D97-AF65-F5344CB8AC3E}">
+        <p14:creationId xmlns:p14="http://schemas.microsoft.com/office/powerpoint/2010/main" val="155555981"/>
+      </p:ext>
+    </p:extLst>
+  </p:cSld>
+  <p:clrMapOvr>
+    <a:masterClrMapping/>
+  </p:clrMapOvr>
 </p:sld>
 </file>
 
@@ -12189,7 +12377,7 @@
           <a:p>
             <a:fld id="{7625EB18-4AF5-9B40-B85A-60D2E2DDA72A}" type="datetime1">
               <a:rPr lang="en-US" smtClean="0"/>
-              <a:t>1/23/17</a:t>
+              <a:t>2/9/17</a:t>
             </a:fld>
             <a:endParaRPr lang="en-US"/>
           </a:p>
@@ -12346,7 +12534,7 @@
           <a:p>
             <a:fld id="{A9D32D8D-750C-BD43-B0F8-17FFBDEAE1F5}" type="datetime1">
               <a:rPr lang="en-US" smtClean="0"/>
-              <a:t>1/23/17</a:t>
+              <a:t>2/9/17</a:t>
             </a:fld>
             <a:endParaRPr lang="en-US"/>
           </a:p>
@@ -12560,7 +12748,7 @@
           <a:p>
             <a:fld id="{4A18E12E-E155-E84E-8FE0-1E2572F7E6D3}" type="datetime1">
               <a:rPr lang="en-US" smtClean="0"/>
-              <a:t>1/23/17</a:t>
+              <a:t>2/9/17</a:t>
             </a:fld>
             <a:endParaRPr lang="en-US"/>
           </a:p>
@@ -12768,7 +12956,7 @@
           <a:p>
             <a:fld id="{54811797-D9EB-7B43-B9FB-3B02F5B4691D}" type="datetime1">
               <a:rPr lang="en-US" smtClean="0"/>
-              <a:t>1/23/17</a:t>
+              <a:t>2/9/17</a:t>
             </a:fld>
             <a:endParaRPr lang="en-US"/>
           </a:p>
@@ -12980,7 +13168,7 @@
           <a:p>
             <a:fld id="{29D223D6-910D-A048-B1DD-753870F0A2DC}" type="datetime1">
               <a:rPr lang="en-US" smtClean="0"/>
-              <a:t>1/23/17</a:t>
+              <a:t>2/9/17</a:t>
             </a:fld>
             <a:endParaRPr lang="en-US"/>
           </a:p>
@@ -13149,7 +13337,7 @@
           <a:p>
             <a:fld id="{EFDF965E-85D3-C849-8CDC-19FD302CE74D}" type="datetime1">
               <a:rPr lang="en-US" smtClean="0"/>
-              <a:t>1/23/17</a:t>
+              <a:t>2/9/17</a:t>
             </a:fld>
             <a:endParaRPr lang="en-US"/>
           </a:p>
@@ -13382,7 +13570,7 @@
           <a:p>
             <a:fld id="{5A853000-B822-A441-8128-7BFEAA0A86E1}" type="datetime1">
               <a:rPr lang="en-US" smtClean="0"/>
-              <a:t>1/23/17</a:t>
+              <a:t>2/9/17</a:t>
             </a:fld>
             <a:endParaRPr lang="en-US"/>
           </a:p>
